--- a/CONTRIB-xxxx-huawei-02 - NBI Design - Service Delivery - l00367051.pptx
+++ b/CONTRIB-xxxx-huawei-02 - NBI Design - Service Delivery - l00367051.pptx
@@ -368,7 +368,7 @@
           <a:p>
             <a:fld id="{C3F093E4-B536-2948-B9CB-B40DF7DC4643}" type="datetimeFigureOut">
               <a:rPr lang="en-US" smtClean="0"/>
-              <a:t>5/25/2023</a:t>
+              <a:t>5/25/23</a:t>
             </a:fld>
             <a:endParaRPr lang="en-US"/>
           </a:p>
@@ -545,7 +545,7 @@
           <a:p>
             <a:fld id="{8E537912-96D5-1547-AE1F-A142F0C0CD91}" type="datetimeFigureOut">
               <a:rPr lang="en-US" smtClean="0"/>
-              <a:t>5/25/2023</a:t>
+              <a:t>5/25/23</a:t>
             </a:fld>
             <a:endParaRPr lang="en-US"/>
           </a:p>
@@ -7080,7 +7080,7 @@
           <a:p>
             <a:fld id="{9E4F0933-FC57-4F6A-A17A-E0B74E1E025E}" type="datetimeFigureOut">
               <a:rPr lang="en-US" smtClean="0"/>
-              <a:t>5/25/2023</a:t>
+              <a:t>5/25/23</a:t>
             </a:fld>
             <a:endParaRPr lang="en-US"/>
           </a:p>
@@ -10931,10 +10931,15 @@
             <p:ph type="subTitle" idx="1"/>
           </p:nvPr>
         </p:nvSpPr>
-        <p:spPr/>
+        <p:spPr>
+          <a:xfrm>
+            <a:off x="358079" y="364164"/>
+            <a:ext cx="4798121" cy="374756"/>
+          </a:xfrm>
+        </p:spPr>
         <p:txBody>
           <a:bodyPr>
-            <a:normAutofit/>
+            <a:normAutofit fontScale="92500"/>
           </a:bodyPr>
           <a:lstStyle/>
           <a:p>
@@ -10948,7 +10953,7 @@
             </a:r>
             <a:r>
               <a:rPr lang="en-US" dirty="0"/>
-              <a:t> Liu</a:t>
+              <a:t> Liu, Aihua Guo</a:t>
             </a:r>
           </a:p>
         </p:txBody>
@@ -11665,7 +11670,7 @@
             <a:pPr algn="ctr"/>
             <a:r>
               <a:rPr lang="en-US" altLang="zh-CN" sz="1200" dirty="0"/>
-              <a:t>Import</a:t>
+              <a:t>Augment</a:t>
             </a:r>
             <a:endParaRPr lang="zh-CN" altLang="en-US" sz="1200" dirty="0"/>
           </a:p>
@@ -11911,7 +11916,7 @@
           <a:p>
             <a:r>
               <a:rPr lang="en-US" dirty="0"/>
-              <a:t>Base model for all customized service models</a:t>
+              <a:t>Base model for all the access service models</a:t>
             </a:r>
           </a:p>
           <a:p>
@@ -11919,6 +11924,13 @@
             <a:r>
               <a:rPr lang="en-US" dirty="0"/>
               <a:t>Defines UNI, NNI and service ports for e2e access services</a:t>
+            </a:r>
+          </a:p>
+          <a:p>
+            <a:pPr lvl="1"/>
+            <a:r>
+              <a:rPr lang="en-US" dirty="0"/>
+              <a:t>Reference: TR-411, Table 4</a:t>
             </a:r>
           </a:p>
         </p:txBody>
@@ -11974,7 +11986,7 @@
         </p:blipFill>
         <p:spPr>
           <a:xfrm>
-            <a:off x="3053635" y="1874727"/>
+            <a:off x="3333035" y="2239852"/>
             <a:ext cx="3490600" cy="4618148"/>
           </a:xfrm>
           <a:prstGeom prst="rect">
@@ -12035,7 +12047,7 @@
           <a:p>
             <a:r>
               <a:rPr lang="en-US" altLang="zh-CN" dirty="0"/>
-              <a:t>HIS Service Delivery Model</a:t>
+              <a:t>HSI Service Delivery Model</a:t>
             </a:r>
             <a:endParaRPr lang="en-US" dirty="0"/>
           </a:p>
@@ -12099,6 +12111,15 @@
               <a:rPr lang="en-US" dirty="0"/>
               <a:t> information</a:t>
             </a:r>
+          </a:p>
+          <a:p>
+            <a:r>
+              <a:rPr lang="en-US" dirty="0"/>
+              <a:t>Reference: TR-411, Table 4</a:t>
+            </a:r>
+          </a:p>
+          <a:p>
+            <a:endParaRPr lang="en-US" dirty="0"/>
           </a:p>
         </p:txBody>
       </p:sp>
@@ -12301,6 +12322,15 @@
               <a:rPr lang="en-US" dirty="0"/>
               <a:t>IPTV information</a:t>
             </a:r>
+          </a:p>
+          <a:p>
+            <a:r>
+              <a:rPr lang="en-US" dirty="0"/>
+              <a:t>Reference: TR-411, Table 4</a:t>
+            </a:r>
+          </a:p>
+          <a:p>
+            <a:endParaRPr lang="en-US" dirty="0"/>
           </a:p>
         </p:txBody>
       </p:sp>
@@ -12534,6 +12564,15 @@
               <a:t>VoIP information</a:t>
             </a:r>
           </a:p>
+          <a:p>
+            <a:r>
+              <a:rPr lang="en-US" dirty="0"/>
+              <a:t>Reference: TR-411, Table 4</a:t>
+            </a:r>
+          </a:p>
+          <a:p>
+            <a:endParaRPr lang="en-US" dirty="0"/>
+          </a:p>
         </p:txBody>
       </p:sp>
       <p:sp>
@@ -12697,7 +12736,7 @@
             <a:pPr lvl="1"/>
             <a:r>
               <a:rPr lang="en-US" dirty="0"/>
-              <a:t>Not needed if customized service delivery is handed by the OSS. Access M&amp;C only deals with element service delivery </a:t>
+              <a:t>Not needed if customized service delivery is handled by the OSS. Access M&amp;C only deals with element service delivery </a:t>
             </a:r>
           </a:p>
           <a:p>
